--- a/source/_posts/水木然-人间清醒三部曲/文章用图.pptx
+++ b/source/_posts/水木然-人间清醒三部曲/文章用图.pptx
@@ -6,6 +6,7 @@
   </p:sldMasterIdLst>
   <p:sldIdLst>
     <p:sldId id="256" r:id="rId2"/>
+    <p:sldId id="257" r:id="rId3"/>
   </p:sldIdLst>
   <p:sldSz cx="12192000" cy="6858000"/>
   <p:notesSz cx="6858000" cy="9144000"/>
@@ -104,6 +105,11 @@
       </a:defRPr>
     </a:lvl9pPr>
   </p:defaultTextStyle>
+  <p:extLst>
+    <p:ext uri="{EFAFB233-063F-42B5-8137-9DF3F51BA10A}">
+      <p15:sldGuideLst xmlns:p15="http://schemas.microsoft.com/office/powerpoint/2012/main"/>
+    </p:ext>
+  </p:extLst>
 </p:presentation>
 </file>
 
@@ -4201,10 +4207,591 @@
           </a:p>
         </p:txBody>
       </p:sp>
+      <p:sp>
+        <p:nvSpPr>
+          <p:cNvPr id="2" name="文本框 1">
+            <a:extLst>
+              <a:ext uri="{FF2B5EF4-FFF2-40B4-BE49-F238E27FC236}">
+                <a16:creationId xmlns:a16="http://schemas.microsoft.com/office/drawing/2014/main" id="{6A64142D-09BF-4C7C-B31D-3C750EDBE295}"/>
+              </a:ext>
+            </a:extLst>
+          </p:cNvPr>
+          <p:cNvSpPr txBox="1"/>
+          <p:nvPr/>
+        </p:nvSpPr>
+        <p:spPr>
+          <a:xfrm>
+            <a:off x="4618225" y="5530039"/>
+            <a:ext cx="2464136" cy="369332"/>
+          </a:xfrm>
+          <a:prstGeom prst="rect">
+            <a:avLst/>
+          </a:prstGeom>
+          <a:solidFill>
+            <a:schemeClr val="bg1"/>
+          </a:solidFill>
+        </p:spPr>
+        <p:txBody>
+          <a:bodyPr wrap="none" rtlCol="0">
+            <a:spAutoFit/>
+          </a:bodyPr>
+          <a:lstStyle/>
+          <a:p>
+            <a:r>
+              <a:rPr lang="zh-CN" altLang="en-US" b="1" dirty="0">
+                <a:latin typeface="Microsoft YaHei Mono" panose="020B0509020204020204" pitchFamily="49" charset="-122"/>
+                <a:ea typeface="Microsoft YaHei Mono" panose="020B0509020204020204" pitchFamily="49" charset="-122"/>
+              </a:rPr>
+              <a:t>人生认知成长曲线趋</a:t>
+            </a:r>
+          </a:p>
+        </p:txBody>
+      </p:sp>
     </p:spTree>
     <p:extLst>
       <p:ext uri="{BB962C8B-B14F-4D97-AF65-F5344CB8AC3E}">
         <p14:creationId xmlns:p14="http://schemas.microsoft.com/office/powerpoint/2010/main" val="1617877988"/>
+      </p:ext>
+    </p:extLst>
+  </p:cSld>
+  <p:clrMapOvr>
+    <a:masterClrMapping/>
+  </p:clrMapOvr>
+</p:sld>
+</file>
+
+<file path=ppt/slides/slide2.xml><?xml version="1.0" encoding="utf-8"?>
+<p:sld xmlns:a="http://schemas.openxmlformats.org/drawingml/2006/main" xmlns:r="http://schemas.openxmlformats.org/officeDocument/2006/relationships" xmlns:p="http://schemas.openxmlformats.org/presentationml/2006/main">
+  <p:cSld>
+    <p:spTree>
+      <p:nvGrpSpPr>
+        <p:cNvPr id="1" name=""/>
+        <p:cNvGrpSpPr/>
+        <p:nvPr/>
+      </p:nvGrpSpPr>
+      <p:grpSpPr>
+        <a:xfrm>
+          <a:off x="0" y="0"/>
+          <a:ext cx="0" cy="0"/>
+          <a:chOff x="0" y="0"/>
+          <a:chExt cx="0" cy="0"/>
+        </a:xfrm>
+      </p:grpSpPr>
+      <p:pic>
+        <p:nvPicPr>
+          <p:cNvPr id="4" name="图片 3">
+            <a:extLst>
+              <a:ext uri="{FF2B5EF4-FFF2-40B4-BE49-F238E27FC236}">
+                <a16:creationId xmlns:a16="http://schemas.microsoft.com/office/drawing/2014/main" id="{96828695-72F2-4355-B6B9-E4CE4398FE86}"/>
+              </a:ext>
+            </a:extLst>
+          </p:cNvPr>
+          <p:cNvPicPr>
+            <a:picLocks noChangeAspect="1"/>
+          </p:cNvPicPr>
+          <p:nvPr/>
+        </p:nvPicPr>
+        <p:blipFill>
+          <a:blip r:embed="rId2"/>
+          <a:stretch>
+            <a:fillRect/>
+          </a:stretch>
+        </p:blipFill>
+        <p:spPr>
+          <a:xfrm>
+            <a:off x="1630870" y="468167"/>
+            <a:ext cx="8930259" cy="5289804"/>
+          </a:xfrm>
+          <a:prstGeom prst="rect">
+            <a:avLst/>
+          </a:prstGeom>
+        </p:spPr>
+      </p:pic>
+      <p:sp>
+        <p:nvSpPr>
+          <p:cNvPr id="5" name="对话气泡: 圆角矩形 4">
+            <a:extLst>
+              <a:ext uri="{FF2B5EF4-FFF2-40B4-BE49-F238E27FC236}">
+                <a16:creationId xmlns:a16="http://schemas.microsoft.com/office/drawing/2014/main" id="{33B6A263-8C08-429C-B06C-AD48FEB298A3}"/>
+              </a:ext>
+            </a:extLst>
+          </p:cNvPr>
+          <p:cNvSpPr/>
+          <p:nvPr/>
+        </p:nvSpPr>
+        <p:spPr>
+          <a:xfrm>
+            <a:off x="3463635" y="919920"/>
+            <a:ext cx="1228437" cy="360218"/>
+          </a:xfrm>
+          <a:prstGeom prst="wedgeRoundRectCallout">
+            <a:avLst>
+              <a:gd name="adj1" fmla="val -37716"/>
+              <a:gd name="adj2" fmla="val 139423"/>
+              <a:gd name="adj3" fmla="val 16667"/>
+            </a:avLst>
+          </a:prstGeom>
+          <a:noFill/>
+          <a:ln>
+            <a:solidFill>
+              <a:schemeClr val="tx1"/>
+            </a:solidFill>
+          </a:ln>
+        </p:spPr>
+        <p:style>
+          <a:lnRef idx="2">
+            <a:schemeClr val="accent1">
+              <a:shade val="50000"/>
+            </a:schemeClr>
+          </a:lnRef>
+          <a:fillRef idx="1">
+            <a:schemeClr val="accent1"/>
+          </a:fillRef>
+          <a:effectRef idx="0">
+            <a:schemeClr val="accent1"/>
+          </a:effectRef>
+          <a:fontRef idx="minor">
+            <a:schemeClr val="lt1"/>
+          </a:fontRef>
+        </p:style>
+        <p:txBody>
+          <a:bodyPr rtlCol="0" anchor="ctr"/>
+          <a:lstStyle/>
+          <a:p>
+            <a:pPr algn="ctr"/>
+            <a:r>
+              <a:rPr lang="zh-CN" altLang="en-US" dirty="0">
+                <a:solidFill>
+                  <a:sysClr val="windowText" lastClr="000000"/>
+                </a:solidFill>
+                <a:latin typeface="Microsoft YaHei Mono" panose="020B0509020204020204" pitchFamily="49" charset="-122"/>
+                <a:ea typeface="Microsoft YaHei Mono" panose="020B0509020204020204" pitchFamily="49" charset="-122"/>
+              </a:rPr>
+              <a:t>愚昧</a:t>
+            </a:r>
+            <a:r>
+              <a:rPr lang="zh-CN" altLang="en-US" dirty="0">
+                <a:solidFill>
+                  <a:sysClr val="windowText" lastClr="000000"/>
+                </a:solidFill>
+              </a:rPr>
+              <a:t>之巅</a:t>
+            </a:r>
+          </a:p>
+        </p:txBody>
+      </p:sp>
+      <p:sp>
+        <p:nvSpPr>
+          <p:cNvPr id="25" name="对话气泡: 圆角矩形 24">
+            <a:extLst>
+              <a:ext uri="{FF2B5EF4-FFF2-40B4-BE49-F238E27FC236}">
+                <a16:creationId xmlns:a16="http://schemas.microsoft.com/office/drawing/2014/main" id="{2C91F339-FF34-4FDF-890A-20B3A0FB8E4B}"/>
+              </a:ext>
+            </a:extLst>
+          </p:cNvPr>
+          <p:cNvSpPr/>
+          <p:nvPr/>
+        </p:nvSpPr>
+        <p:spPr>
+          <a:xfrm>
+            <a:off x="5153890" y="4651411"/>
+            <a:ext cx="1228437" cy="360218"/>
+          </a:xfrm>
+          <a:prstGeom prst="wedgeRoundRectCallout">
+            <a:avLst>
+              <a:gd name="adj1" fmla="val -76062"/>
+              <a:gd name="adj2" fmla="val -55449"/>
+              <a:gd name="adj3" fmla="val 16667"/>
+            </a:avLst>
+          </a:prstGeom>
+          <a:noFill/>
+          <a:ln>
+            <a:solidFill>
+              <a:schemeClr val="tx1"/>
+            </a:solidFill>
+          </a:ln>
+        </p:spPr>
+        <p:style>
+          <a:lnRef idx="2">
+            <a:schemeClr val="accent1">
+              <a:shade val="50000"/>
+            </a:schemeClr>
+          </a:lnRef>
+          <a:fillRef idx="1">
+            <a:schemeClr val="accent1"/>
+          </a:fillRef>
+          <a:effectRef idx="0">
+            <a:schemeClr val="accent1"/>
+          </a:effectRef>
+          <a:fontRef idx="minor">
+            <a:schemeClr val="lt1"/>
+          </a:fontRef>
+        </p:style>
+        <p:txBody>
+          <a:bodyPr rtlCol="0" anchor="ctr"/>
+          <a:lstStyle/>
+          <a:p>
+            <a:pPr algn="ctr"/>
+            <a:r>
+              <a:rPr lang="zh-CN" altLang="en-US" dirty="0">
+                <a:solidFill>
+                  <a:sysClr val="windowText" lastClr="000000"/>
+                </a:solidFill>
+                <a:latin typeface="Microsoft YaHei Mono" panose="020B0509020204020204" pitchFamily="49" charset="-122"/>
+                <a:ea typeface="Microsoft YaHei Mono" panose="020B0509020204020204" pitchFamily="49" charset="-122"/>
+              </a:rPr>
+              <a:t>绝望之谷</a:t>
+            </a:r>
+            <a:endParaRPr lang="zh-CN" altLang="en-US" dirty="0">
+              <a:solidFill>
+                <a:sysClr val="windowText" lastClr="000000"/>
+              </a:solidFill>
+            </a:endParaRPr>
+          </a:p>
+        </p:txBody>
+      </p:sp>
+      <p:sp>
+        <p:nvSpPr>
+          <p:cNvPr id="26" name="对话气泡: 椭圆形 25">
+            <a:extLst>
+              <a:ext uri="{FF2B5EF4-FFF2-40B4-BE49-F238E27FC236}">
+                <a16:creationId xmlns:a16="http://schemas.microsoft.com/office/drawing/2014/main" id="{3CDB5793-F586-47CE-9D54-AEBDBBE59256}"/>
+              </a:ext>
+            </a:extLst>
+          </p:cNvPr>
+          <p:cNvSpPr/>
+          <p:nvPr/>
+        </p:nvSpPr>
+        <p:spPr>
+          <a:xfrm>
+            <a:off x="5153890" y="3265324"/>
+            <a:ext cx="942110" cy="505839"/>
+          </a:xfrm>
+          <a:prstGeom prst="wedgeEllipseCallout">
+            <a:avLst>
+              <a:gd name="adj1" fmla="val 73818"/>
+              <a:gd name="adj2" fmla="val 49923"/>
+            </a:avLst>
+          </a:prstGeom>
+          <a:noFill/>
+          <a:ln>
+            <a:solidFill>
+              <a:schemeClr val="tx1"/>
+            </a:solidFill>
+          </a:ln>
+        </p:spPr>
+        <p:style>
+          <a:lnRef idx="2">
+            <a:schemeClr val="accent1">
+              <a:shade val="50000"/>
+            </a:schemeClr>
+          </a:lnRef>
+          <a:fillRef idx="1">
+            <a:schemeClr val="accent1"/>
+          </a:fillRef>
+          <a:effectRef idx="0">
+            <a:schemeClr val="accent1"/>
+          </a:effectRef>
+          <a:fontRef idx="minor">
+            <a:schemeClr val="lt1"/>
+          </a:fontRef>
+        </p:style>
+        <p:txBody>
+          <a:bodyPr rtlCol="0" anchor="ctr"/>
+          <a:lstStyle/>
+          <a:p>
+            <a:pPr algn="ctr"/>
+            <a:r>
+              <a:rPr lang="zh-CN" altLang="en-US" sz="1100" dirty="0">
+                <a:solidFill>
+                  <a:schemeClr val="tx1"/>
+                </a:solidFill>
+              </a:rPr>
+              <a:t>廉耻关</a:t>
+            </a:r>
+            <a:endParaRPr lang="zh-CN" altLang="en-US" dirty="0">
+              <a:solidFill>
+                <a:schemeClr val="tx1"/>
+              </a:solidFill>
+            </a:endParaRPr>
+          </a:p>
+        </p:txBody>
+      </p:sp>
+      <p:sp>
+        <p:nvSpPr>
+          <p:cNvPr id="27" name="对话气泡: 椭圆形 26">
+            <a:extLst>
+              <a:ext uri="{FF2B5EF4-FFF2-40B4-BE49-F238E27FC236}">
+                <a16:creationId xmlns:a16="http://schemas.microsoft.com/office/drawing/2014/main" id="{EDA68619-974D-42BD-94BB-D6BB3F8A9A61}"/>
+              </a:ext>
+            </a:extLst>
+          </p:cNvPr>
+          <p:cNvSpPr/>
+          <p:nvPr/>
+        </p:nvSpPr>
+        <p:spPr>
+          <a:xfrm>
+            <a:off x="5911272" y="2692670"/>
+            <a:ext cx="942110" cy="505839"/>
+          </a:xfrm>
+          <a:prstGeom prst="wedgeEllipseCallout">
+            <a:avLst>
+              <a:gd name="adj1" fmla="val 73818"/>
+              <a:gd name="adj2" fmla="val 49923"/>
+            </a:avLst>
+          </a:prstGeom>
+          <a:noFill/>
+          <a:ln>
+            <a:solidFill>
+              <a:schemeClr val="tx1"/>
+            </a:solidFill>
+          </a:ln>
+        </p:spPr>
+        <p:style>
+          <a:lnRef idx="2">
+            <a:schemeClr val="accent1">
+              <a:shade val="50000"/>
+            </a:schemeClr>
+          </a:lnRef>
+          <a:fillRef idx="1">
+            <a:schemeClr val="accent1"/>
+          </a:fillRef>
+          <a:effectRef idx="0">
+            <a:schemeClr val="accent1"/>
+          </a:effectRef>
+          <a:fontRef idx="minor">
+            <a:schemeClr val="lt1"/>
+          </a:fontRef>
+        </p:style>
+        <p:txBody>
+          <a:bodyPr rtlCol="0" anchor="ctr"/>
+          <a:lstStyle/>
+          <a:p>
+            <a:pPr algn="ctr"/>
+            <a:r>
+              <a:rPr lang="zh-CN" altLang="en-US" sz="1100" dirty="0">
+                <a:solidFill>
+                  <a:schemeClr val="tx1"/>
+                </a:solidFill>
+              </a:rPr>
+              <a:t>情欲关</a:t>
+            </a:r>
+            <a:endParaRPr lang="zh-CN" altLang="en-US" dirty="0">
+              <a:solidFill>
+                <a:schemeClr val="tx1"/>
+              </a:solidFill>
+            </a:endParaRPr>
+          </a:p>
+        </p:txBody>
+      </p:sp>
+      <p:sp>
+        <p:nvSpPr>
+          <p:cNvPr id="28" name="对话气泡: 椭圆形 27">
+            <a:extLst>
+              <a:ext uri="{FF2B5EF4-FFF2-40B4-BE49-F238E27FC236}">
+                <a16:creationId xmlns:a16="http://schemas.microsoft.com/office/drawing/2014/main" id="{274892F4-DA2C-4C77-A2DC-D762F9A0C429}"/>
+              </a:ext>
+            </a:extLst>
+          </p:cNvPr>
+          <p:cNvSpPr/>
+          <p:nvPr/>
+        </p:nvSpPr>
+        <p:spPr>
+          <a:xfrm>
+            <a:off x="6539345" y="2018416"/>
+            <a:ext cx="942110" cy="505839"/>
+          </a:xfrm>
+          <a:prstGeom prst="wedgeEllipseCallout">
+            <a:avLst>
+              <a:gd name="adj1" fmla="val 73818"/>
+              <a:gd name="adj2" fmla="val 49923"/>
+            </a:avLst>
+          </a:prstGeom>
+          <a:noFill/>
+          <a:ln>
+            <a:solidFill>
+              <a:schemeClr val="tx1"/>
+            </a:solidFill>
+          </a:ln>
+        </p:spPr>
+        <p:style>
+          <a:lnRef idx="2">
+            <a:schemeClr val="accent1">
+              <a:shade val="50000"/>
+            </a:schemeClr>
+          </a:lnRef>
+          <a:fillRef idx="1">
+            <a:schemeClr val="accent1"/>
+          </a:fillRef>
+          <a:effectRef idx="0">
+            <a:schemeClr val="accent1"/>
+          </a:effectRef>
+          <a:fontRef idx="minor">
+            <a:schemeClr val="lt1"/>
+          </a:fontRef>
+        </p:style>
+        <p:txBody>
+          <a:bodyPr rtlCol="0" anchor="ctr"/>
+          <a:lstStyle/>
+          <a:p>
+            <a:pPr algn="ctr"/>
+            <a:r>
+              <a:rPr lang="zh-CN" altLang="en-US" sz="1100" dirty="0">
+                <a:solidFill>
+                  <a:schemeClr val="tx1"/>
+                </a:solidFill>
+              </a:rPr>
+              <a:t>名利关</a:t>
+            </a:r>
+            <a:endParaRPr lang="zh-CN" altLang="en-US" dirty="0">
+              <a:solidFill>
+                <a:schemeClr val="tx1"/>
+              </a:solidFill>
+            </a:endParaRPr>
+          </a:p>
+        </p:txBody>
+      </p:sp>
+      <p:sp>
+        <p:nvSpPr>
+          <p:cNvPr id="29" name="对话气泡: 椭圆形 28">
+            <a:extLst>
+              <a:ext uri="{FF2B5EF4-FFF2-40B4-BE49-F238E27FC236}">
+                <a16:creationId xmlns:a16="http://schemas.microsoft.com/office/drawing/2014/main" id="{A544D757-1C4A-4513-A508-9DD904DA4242}"/>
+              </a:ext>
+            </a:extLst>
+          </p:cNvPr>
+          <p:cNvSpPr/>
+          <p:nvPr/>
+        </p:nvSpPr>
+        <p:spPr>
+          <a:xfrm>
+            <a:off x="7998691" y="1100029"/>
+            <a:ext cx="942110" cy="505839"/>
+          </a:xfrm>
+          <a:prstGeom prst="wedgeEllipseCallout">
+            <a:avLst>
+              <a:gd name="adj1" fmla="val 73818"/>
+              <a:gd name="adj2" fmla="val 49923"/>
+            </a:avLst>
+          </a:prstGeom>
+          <a:noFill/>
+          <a:ln>
+            <a:solidFill>
+              <a:schemeClr val="tx1"/>
+            </a:solidFill>
+          </a:ln>
+        </p:spPr>
+        <p:style>
+          <a:lnRef idx="2">
+            <a:schemeClr val="accent1">
+              <a:shade val="50000"/>
+            </a:schemeClr>
+          </a:lnRef>
+          <a:fillRef idx="1">
+            <a:schemeClr val="accent1"/>
+          </a:fillRef>
+          <a:effectRef idx="0">
+            <a:schemeClr val="accent1"/>
+          </a:effectRef>
+          <a:fontRef idx="minor">
+            <a:schemeClr val="lt1"/>
+          </a:fontRef>
+        </p:style>
+        <p:txBody>
+          <a:bodyPr rtlCol="0" anchor="ctr"/>
+          <a:lstStyle/>
+          <a:p>
+            <a:pPr algn="ctr"/>
+            <a:r>
+              <a:rPr lang="zh-CN" altLang="en-US" sz="1100" dirty="0">
+                <a:solidFill>
+                  <a:schemeClr val="tx1"/>
+                </a:solidFill>
+              </a:rPr>
+              <a:t>生死关</a:t>
+            </a:r>
+            <a:endParaRPr lang="zh-CN" altLang="en-US" dirty="0">
+              <a:solidFill>
+                <a:schemeClr val="tx1"/>
+              </a:solidFill>
+            </a:endParaRPr>
+          </a:p>
+        </p:txBody>
+      </p:sp>
+      <p:sp>
+        <p:nvSpPr>
+          <p:cNvPr id="30" name="对话气泡: 圆角矩形 29">
+            <a:extLst>
+              <a:ext uri="{FF2B5EF4-FFF2-40B4-BE49-F238E27FC236}">
+                <a16:creationId xmlns:a16="http://schemas.microsoft.com/office/drawing/2014/main" id="{1F39557F-B13D-4967-8870-228ECE393673}"/>
+              </a:ext>
+            </a:extLst>
+          </p:cNvPr>
+          <p:cNvSpPr/>
+          <p:nvPr/>
+        </p:nvSpPr>
+        <p:spPr>
+          <a:xfrm>
+            <a:off x="6742545" y="1272074"/>
+            <a:ext cx="725055" cy="360218"/>
+          </a:xfrm>
+          <a:prstGeom prst="wedgeRoundRectCallout">
+            <a:avLst>
+              <a:gd name="adj1" fmla="val 188489"/>
+              <a:gd name="adj2" fmla="val 131730"/>
+              <a:gd name="adj3" fmla="val 16667"/>
+            </a:avLst>
+          </a:prstGeom>
+          <a:noFill/>
+          <a:ln>
+            <a:solidFill>
+              <a:schemeClr val="tx1"/>
+            </a:solidFill>
+          </a:ln>
+        </p:spPr>
+        <p:style>
+          <a:lnRef idx="2">
+            <a:schemeClr val="accent1">
+              <a:shade val="50000"/>
+            </a:schemeClr>
+          </a:lnRef>
+          <a:fillRef idx="1">
+            <a:schemeClr val="accent1"/>
+          </a:fillRef>
+          <a:effectRef idx="0">
+            <a:schemeClr val="accent1"/>
+          </a:effectRef>
+          <a:fontRef idx="minor">
+            <a:schemeClr val="lt1"/>
+          </a:fontRef>
+        </p:style>
+        <p:txBody>
+          <a:bodyPr rtlCol="0" anchor="ctr"/>
+          <a:lstStyle/>
+          <a:p>
+            <a:pPr algn="ctr"/>
+            <a:r>
+              <a:rPr lang="zh-CN" altLang="en-US" dirty="0">
+                <a:solidFill>
+                  <a:sysClr val="windowText" lastClr="000000"/>
+                </a:solidFill>
+                <a:latin typeface="Microsoft YaHei Mono" panose="020B0509020204020204" pitchFamily="49" charset="-122"/>
+                <a:ea typeface="Microsoft YaHei Mono" panose="020B0509020204020204" pitchFamily="49" charset="-122"/>
+              </a:rPr>
+              <a:t>成熟</a:t>
+            </a:r>
+            <a:endParaRPr lang="zh-CN" altLang="en-US" dirty="0">
+              <a:solidFill>
+                <a:sysClr val="windowText" lastClr="000000"/>
+              </a:solidFill>
+            </a:endParaRPr>
+          </a:p>
+        </p:txBody>
+      </p:sp>
+    </p:spTree>
+    <p:extLst>
+      <p:ext uri="{BB962C8B-B14F-4D97-AF65-F5344CB8AC3E}">
+        <p14:creationId xmlns:p14="http://schemas.microsoft.com/office/powerpoint/2010/main" val="1200203475"/>
       </p:ext>
     </p:extLst>
   </p:cSld>
